--- a/docs/AI Revolution 2023 and beyond.pptx
+++ b/docs/AI Revolution 2023 and beyond.pptx
@@ -10,6 +10,8 @@
     <p:sldId id="258" r:id="rId4"/>
     <p:sldId id="259" r:id="rId5"/>
     <p:sldId id="260" r:id="rId6"/>
+    <p:sldId id="262" r:id="rId7"/>
+    <p:sldId id="261" r:id="rId8"/>
   </p:sldIdLst>
   <p:sldSz cx="12192000" cy="6858000"/>
   <p:notesSz cx="6858000" cy="9144000"/>
@@ -108,6 +110,11 @@
       </a:defRPr>
     </a:lvl9pPr>
   </p:defaultTextStyle>
+  <p:extLst>
+    <p:ext uri="{EFAFB233-063F-42B5-8137-9DF3F51BA10A}">
+      <p15:sldGuideLst xmlns:p15="http://schemas.microsoft.com/office/powerpoint/2012/main"/>
+    </p:ext>
+  </p:extLst>
 </p:presentation>
 </file>
 
@@ -258,7 +265,7 @@
           <a:p>
             <a:fld id="{C5AD5A69-0828-468F-923A-A3AAD7DFE019}" type="datetimeFigureOut">
               <a:rPr lang="en-US" smtClean="0"/>
-              <a:t>1/4/2026</a:t>
+              <a:t>1/5/2026</a:t>
             </a:fld>
             <a:endParaRPr lang="en-US"/>
           </a:p>
@@ -456,7 +463,7 @@
           <a:p>
             <a:fld id="{C5AD5A69-0828-468F-923A-A3AAD7DFE019}" type="datetimeFigureOut">
               <a:rPr lang="en-US" smtClean="0"/>
-              <a:t>1/4/2026</a:t>
+              <a:t>1/5/2026</a:t>
             </a:fld>
             <a:endParaRPr lang="en-US"/>
           </a:p>
@@ -664,7 +671,7 @@
           <a:p>
             <a:fld id="{C5AD5A69-0828-468F-923A-A3AAD7DFE019}" type="datetimeFigureOut">
               <a:rPr lang="en-US" smtClean="0"/>
-              <a:t>1/4/2026</a:t>
+              <a:t>1/5/2026</a:t>
             </a:fld>
             <a:endParaRPr lang="en-US"/>
           </a:p>
@@ -862,7 +869,7 @@
           <a:p>
             <a:fld id="{C5AD5A69-0828-468F-923A-A3AAD7DFE019}" type="datetimeFigureOut">
               <a:rPr lang="en-US" smtClean="0"/>
-              <a:t>1/4/2026</a:t>
+              <a:t>1/5/2026</a:t>
             </a:fld>
             <a:endParaRPr lang="en-US"/>
           </a:p>
@@ -1137,7 +1144,7 @@
           <a:p>
             <a:fld id="{C5AD5A69-0828-468F-923A-A3AAD7DFE019}" type="datetimeFigureOut">
               <a:rPr lang="en-US" smtClean="0"/>
-              <a:t>1/4/2026</a:t>
+              <a:t>1/5/2026</a:t>
             </a:fld>
             <a:endParaRPr lang="en-US"/>
           </a:p>
@@ -1402,7 +1409,7 @@
           <a:p>
             <a:fld id="{C5AD5A69-0828-468F-923A-A3AAD7DFE019}" type="datetimeFigureOut">
               <a:rPr lang="en-US" smtClean="0"/>
-              <a:t>1/4/2026</a:t>
+              <a:t>1/5/2026</a:t>
             </a:fld>
             <a:endParaRPr lang="en-US"/>
           </a:p>
@@ -1814,7 +1821,7 @@
           <a:p>
             <a:fld id="{C5AD5A69-0828-468F-923A-A3AAD7DFE019}" type="datetimeFigureOut">
               <a:rPr lang="en-US" smtClean="0"/>
-              <a:t>1/4/2026</a:t>
+              <a:t>1/5/2026</a:t>
             </a:fld>
             <a:endParaRPr lang="en-US"/>
           </a:p>
@@ -1955,7 +1962,7 @@
           <a:p>
             <a:fld id="{C5AD5A69-0828-468F-923A-A3AAD7DFE019}" type="datetimeFigureOut">
               <a:rPr lang="en-US" smtClean="0"/>
-              <a:t>1/4/2026</a:t>
+              <a:t>1/5/2026</a:t>
             </a:fld>
             <a:endParaRPr lang="en-US"/>
           </a:p>
@@ -2068,7 +2075,7 @@
           <a:p>
             <a:fld id="{C5AD5A69-0828-468F-923A-A3AAD7DFE019}" type="datetimeFigureOut">
               <a:rPr lang="en-US" smtClean="0"/>
-              <a:t>1/4/2026</a:t>
+              <a:t>1/5/2026</a:t>
             </a:fld>
             <a:endParaRPr lang="en-US"/>
           </a:p>
@@ -2379,7 +2386,7 @@
           <a:p>
             <a:fld id="{C5AD5A69-0828-468F-923A-A3AAD7DFE019}" type="datetimeFigureOut">
               <a:rPr lang="en-US" smtClean="0"/>
-              <a:t>1/4/2026</a:t>
+              <a:t>1/5/2026</a:t>
             </a:fld>
             <a:endParaRPr lang="en-US"/>
           </a:p>
@@ -2667,7 +2674,7 @@
           <a:p>
             <a:fld id="{C5AD5A69-0828-468F-923A-A3AAD7DFE019}" type="datetimeFigureOut">
               <a:rPr lang="en-US" smtClean="0"/>
-              <a:t>1/4/2026</a:t>
+              <a:t>1/5/2026</a:t>
             </a:fld>
             <a:endParaRPr lang="en-US"/>
           </a:p>
@@ -2908,7 +2915,7 @@
           <a:p>
             <a:fld id="{C5AD5A69-0828-468F-923A-A3AAD7DFE019}" type="datetimeFigureOut">
               <a:rPr lang="en-US" smtClean="0"/>
-              <a:t>1/4/2026</a:t>
+              <a:t>1/5/2026</a:t>
             </a:fld>
             <a:endParaRPr lang="en-US"/>
           </a:p>
@@ -4333,6 +4340,291 @@
     <p:extLst>
       <p:ext uri="{BB962C8B-B14F-4D97-AF65-F5344CB8AC3E}">
         <p14:creationId xmlns:p14="http://schemas.microsoft.com/office/powerpoint/2010/main" val="727435329"/>
+      </p:ext>
+    </p:extLst>
+  </p:cSld>
+  <p:clrMapOvr>
+    <a:masterClrMapping/>
+  </p:clrMapOvr>
+</p:sld>
+</file>
+
+<file path=ppt/slides/slide6.xml><?xml version="1.0" encoding="utf-8"?>
+<p:sld xmlns:a="http://schemas.openxmlformats.org/drawingml/2006/main" xmlns:r="http://schemas.openxmlformats.org/officeDocument/2006/relationships" xmlns:p="http://schemas.openxmlformats.org/presentationml/2006/main">
+  <p:cSld>
+    <p:spTree>
+      <p:nvGrpSpPr>
+        <p:cNvPr id="1" name=""/>
+        <p:cNvGrpSpPr/>
+        <p:nvPr/>
+      </p:nvGrpSpPr>
+      <p:grpSpPr>
+        <a:xfrm>
+          <a:off x="0" y="0"/>
+          <a:ext cx="0" cy="0"/>
+          <a:chOff x="0" y="0"/>
+          <a:chExt cx="0" cy="0"/>
+        </a:xfrm>
+      </p:grpSpPr>
+      <p:sp>
+        <p:nvSpPr>
+          <p:cNvPr id="2" name="Title 1">
+            <a:extLst>
+              <a:ext uri="{FF2B5EF4-FFF2-40B4-BE49-F238E27FC236}">
+                <a16:creationId xmlns:a16="http://schemas.microsoft.com/office/drawing/2014/main" id="{16470E44-63AB-19B6-9FDD-8BF6DD4F31BA}"/>
+              </a:ext>
+            </a:extLst>
+          </p:cNvPr>
+          <p:cNvSpPr>
+            <a:spLocks noGrp="1"/>
+          </p:cNvSpPr>
+          <p:nvPr>
+            <p:ph type="title"/>
+          </p:nvPr>
+        </p:nvSpPr>
+        <p:spPr/>
+        <p:txBody>
+          <a:bodyPr/>
+          <a:lstStyle/>
+          <a:p>
+            <a:r>
+              <a:rPr lang="en-US" dirty="0"/>
+              <a:t>Fine Tuning vs Optimization</a:t>
+            </a:r>
+          </a:p>
+        </p:txBody>
+      </p:sp>
+      <p:sp>
+        <p:nvSpPr>
+          <p:cNvPr id="3" name="Content Placeholder 2">
+            <a:extLst>
+              <a:ext uri="{FF2B5EF4-FFF2-40B4-BE49-F238E27FC236}">
+                <a16:creationId xmlns:a16="http://schemas.microsoft.com/office/drawing/2014/main" id="{FDEDF250-F7D5-1B8A-B6D3-59203D73F6F7}"/>
+              </a:ext>
+            </a:extLst>
+          </p:cNvPr>
+          <p:cNvSpPr>
+            <a:spLocks noGrp="1"/>
+          </p:cNvSpPr>
+          <p:nvPr>
+            <p:ph idx="1"/>
+          </p:nvPr>
+        </p:nvSpPr>
+        <p:spPr/>
+        <p:txBody>
+          <a:bodyPr/>
+          <a:lstStyle/>
+          <a:p>
+            <a:r>
+              <a:rPr lang="en-US" b="1" dirty="0" err="1"/>
+              <a:t>DSPy</a:t>
+            </a:r>
+            <a:r>
+              <a:rPr lang="en-US" b="1" dirty="0"/>
+              <a:t> is prompt/pipeline optimization for getting the most out of existing models. </a:t>
+            </a:r>
+          </a:p>
+          <a:p>
+            <a:endParaRPr lang="en-US" b="1"/>
+          </a:p>
+          <a:p>
+            <a:r>
+              <a:rPr lang="en-US" b="1"/>
+              <a:t>Fine-tuning is weight optimization for creating specialized models.</a:t>
+            </a:r>
+            <a:endParaRPr lang="en-US"/>
+          </a:p>
+        </p:txBody>
+      </p:sp>
+    </p:spTree>
+    <p:extLst>
+      <p:ext uri="{BB962C8B-B14F-4D97-AF65-F5344CB8AC3E}">
+        <p14:creationId xmlns:p14="http://schemas.microsoft.com/office/powerpoint/2010/main" val="3975563214"/>
+      </p:ext>
+    </p:extLst>
+  </p:cSld>
+  <p:clrMapOvr>
+    <a:masterClrMapping/>
+  </p:clrMapOvr>
+</p:sld>
+</file>
+
+<file path=ppt/slides/slide7.xml><?xml version="1.0" encoding="utf-8"?>
+<p:sld xmlns:a="http://schemas.openxmlformats.org/drawingml/2006/main" xmlns:r="http://schemas.openxmlformats.org/officeDocument/2006/relationships" xmlns:p="http://schemas.openxmlformats.org/presentationml/2006/main">
+  <p:cSld>
+    <p:spTree>
+      <p:nvGrpSpPr>
+        <p:cNvPr id="1" name=""/>
+        <p:cNvGrpSpPr/>
+        <p:nvPr/>
+      </p:nvGrpSpPr>
+      <p:grpSpPr>
+        <a:xfrm>
+          <a:off x="0" y="0"/>
+          <a:ext cx="0" cy="0"/>
+          <a:chOff x="0" y="0"/>
+          <a:chExt cx="0" cy="0"/>
+        </a:xfrm>
+      </p:grpSpPr>
+      <p:sp>
+        <p:nvSpPr>
+          <p:cNvPr id="2" name="Title 1">
+            <a:extLst>
+              <a:ext uri="{FF2B5EF4-FFF2-40B4-BE49-F238E27FC236}">
+                <a16:creationId xmlns:a16="http://schemas.microsoft.com/office/drawing/2014/main" id="{EEF21A65-0277-AC25-12EB-6079BE759CD4}"/>
+              </a:ext>
+            </a:extLst>
+          </p:cNvPr>
+          <p:cNvSpPr>
+            <a:spLocks noGrp="1"/>
+          </p:cNvSpPr>
+          <p:nvPr>
+            <p:ph type="title"/>
+          </p:nvPr>
+        </p:nvSpPr>
+        <p:spPr/>
+        <p:txBody>
+          <a:bodyPr/>
+          <a:lstStyle/>
+          <a:p>
+            <a:r>
+              <a:rPr lang="en-US" dirty="0"/>
+              <a:t>Fine tuning</a:t>
+            </a:r>
+          </a:p>
+        </p:txBody>
+      </p:sp>
+      <p:sp>
+        <p:nvSpPr>
+          <p:cNvPr id="3" name="Content Placeholder 2">
+            <a:extLst>
+              <a:ext uri="{FF2B5EF4-FFF2-40B4-BE49-F238E27FC236}">
+                <a16:creationId xmlns:a16="http://schemas.microsoft.com/office/drawing/2014/main" id="{608610E0-A5FA-B41F-1754-7A8CFAC90670}"/>
+              </a:ext>
+            </a:extLst>
+          </p:cNvPr>
+          <p:cNvSpPr>
+            <a:spLocks noGrp="1"/>
+          </p:cNvSpPr>
+          <p:nvPr>
+            <p:ph idx="1"/>
+          </p:nvPr>
+        </p:nvSpPr>
+        <p:spPr/>
+        <p:txBody>
+          <a:bodyPr>
+            <a:normAutofit fontScale="92500" lnSpcReduction="10000"/>
+          </a:bodyPr>
+          <a:lstStyle/>
+          <a:p>
+            <a:r>
+              <a:rPr lang="en-US" b="1" dirty="0"/>
+              <a:t>Fine-tuning is becoming a specialized tool rather than a default.</a:t>
+            </a:r>
+            <a:r>
+              <a:rPr lang="en-US" dirty="0"/>
+              <a:t> Most gains today come from:</a:t>
+            </a:r>
+          </a:p>
+          <a:p>
+            <a:pPr lvl="1"/>
+            <a:r>
+              <a:rPr lang="en-US" b="1" dirty="0"/>
+              <a:t>Better prompting</a:t>
+            </a:r>
+            <a:r>
+              <a:rPr lang="en-US" dirty="0"/>
+              <a:t> (</a:t>
+            </a:r>
+            <a:r>
+              <a:rPr lang="en-US" dirty="0" err="1"/>
+              <a:t>DSPy</a:t>
+            </a:r>
+            <a:r>
+              <a:rPr lang="en-US" dirty="0"/>
+              <a:t>, manual engineering)</a:t>
+            </a:r>
+          </a:p>
+          <a:p>
+            <a:pPr lvl="1"/>
+            <a:r>
+              <a:rPr lang="en-US" b="1" dirty="0"/>
+              <a:t>RAG systems</a:t>
+            </a:r>
+            <a:r>
+              <a:rPr lang="en-US" dirty="0"/>
+              <a:t> (adding external knowledge)</a:t>
+            </a:r>
+          </a:p>
+          <a:p>
+            <a:pPr lvl="1"/>
+            <a:r>
+              <a:rPr lang="en-US" b="1" dirty="0"/>
+              <a:t>Model selection</a:t>
+            </a:r>
+            <a:r>
+              <a:rPr lang="en-US" dirty="0"/>
+              <a:t> (using right model for task)</a:t>
+            </a:r>
+          </a:p>
+          <a:p>
+            <a:pPr lvl="1"/>
+            <a:r>
+              <a:rPr lang="en-US" b="1" dirty="0"/>
+              <a:t>Ensemble approaches</a:t>
+            </a:r>
+            <a:r>
+              <a:rPr lang="en-US" dirty="0"/>
+              <a:t> (multiple models/systems)</a:t>
+            </a:r>
+          </a:p>
+          <a:p>
+            <a:r>
+              <a:rPr lang="en-US" b="1" dirty="0"/>
+              <a:t>Fine-tune when you need to "bake in" specific behaviors that prompting can't achieve,</a:t>
+            </a:r>
+            <a:r>
+              <a:rPr lang="en-US" dirty="0"/>
+              <a:t> especially for:</a:t>
+            </a:r>
+          </a:p>
+          <a:p>
+            <a:pPr lvl="1"/>
+            <a:r>
+              <a:rPr lang="en-US" dirty="0"/>
+              <a:t>Cost reduction at scale</a:t>
+            </a:r>
+          </a:p>
+          <a:p>
+            <a:pPr lvl="1"/>
+            <a:r>
+              <a:rPr lang="en-US" dirty="0"/>
+              <a:t>Consistent output formatting</a:t>
+            </a:r>
+          </a:p>
+          <a:p>
+            <a:pPr lvl="1"/>
+            <a:r>
+              <a:rPr lang="en-US" dirty="0"/>
+              <a:t>Proprietary knowledge not in public data</a:t>
+            </a:r>
+          </a:p>
+          <a:p>
+            <a:pPr lvl="1"/>
+            <a:r>
+              <a:rPr lang="en-US" dirty="0"/>
+              <a:t>Specialized domain language</a:t>
+            </a:r>
+          </a:p>
+          <a:p>
+            <a:endParaRPr lang="en-US" dirty="0"/>
+          </a:p>
+        </p:txBody>
+      </p:sp>
+    </p:spTree>
+    <p:extLst>
+      <p:ext uri="{BB962C8B-B14F-4D97-AF65-F5344CB8AC3E}">
+        <p14:creationId xmlns:p14="http://schemas.microsoft.com/office/powerpoint/2010/main" val="1845211742"/>
       </p:ext>
     </p:extLst>
   </p:cSld>
